--- a/d3.pptx
+++ b/d3.pptx
@@ -7,8 +7,7 @@
   <p:sldIdLst>
     <p:sldId id="261" r:id="rId2"/>
     <p:sldId id="256" r:id="rId3"/>
-    <p:sldId id="257" r:id="rId4"/>
-    <p:sldId id="258" r:id="rId5"/>
+    <p:sldId id="258" r:id="rId4"/>
   </p:sldIdLst>
   <p:sldSz cx="9144000" cy="6858000" type="screen4x3"/>
   <p:notesSz cx="6858000" cy="9144000"/>
@@ -3799,6 +3798,251 @@
           <a:chExt cx="0" cy="0"/>
         </a:xfrm>
       </p:grpSpPr>
+      <p:pic>
+        <p:nvPicPr>
+          <p:cNvPr id="8" name="Picture 7" descr="Logo_D3.svg.png"/>
+          <p:cNvPicPr>
+            <a:picLocks noChangeAspect="1"/>
+          </p:cNvPicPr>
+          <p:nvPr/>
+        </p:nvPicPr>
+        <p:blipFill>
+          <a:blip r:embed="rId2">
+            <a:extLst>
+              <a:ext uri="{28A0092B-C50C-407E-A947-70E740481C1C}">
+                <a14:useLocalDpi xmlns:a14="http://schemas.microsoft.com/office/drawing/2010/main" val="0"/>
+              </a:ext>
+            </a:extLst>
+          </a:blip>
+          <a:stretch>
+            <a:fillRect/>
+          </a:stretch>
+        </p:blipFill>
+        <p:spPr>
+          <a:xfrm>
+            <a:off x="5856638" y="417365"/>
+            <a:ext cx="2280094" cy="2164308"/>
+          </a:xfrm>
+          <a:prstGeom prst="rect">
+            <a:avLst/>
+          </a:prstGeom>
+        </p:spPr>
+      </p:pic>
+      <p:sp>
+        <p:nvSpPr>
+          <p:cNvPr id="9" name="Subtitle 2"/>
+          <p:cNvSpPr txBox="1">
+            <a:spLocks/>
+          </p:cNvSpPr>
+          <p:nvPr/>
+        </p:nvSpPr>
+        <p:spPr>
+          <a:xfrm>
+            <a:off x="685800" y="3969229"/>
+            <a:ext cx="8077200" cy="1499616"/>
+          </a:xfrm>
+          <a:prstGeom prst="rect">
+            <a:avLst/>
+          </a:prstGeom>
+        </p:spPr>
+        <p:txBody>
+          <a:bodyPr vert="horz" lIns="118872" tIns="0" rIns="45720" bIns="0" rtlCol="0" anchor="b">
+            <a:normAutofit/>
+          </a:bodyPr>
+          <a:lstStyle>
+            <a:lvl1pPr marL="0" indent="0" algn="l" rtl="0" eaLnBrk="1" latinLnBrk="0" hangingPunct="1">
+              <a:spcBef>
+                <a:spcPts val="0"/>
+              </a:spcBef>
+              <a:buClr>
+                <a:schemeClr val="accent1"/>
+              </a:buClr>
+              <a:buSzPct val="80000"/>
+              <a:buFont typeface="Wingdings 2"/>
+              <a:buNone/>
+              <a:defRPr kumimoji="0" sz="2000" kern="1200">
+                <a:solidFill>
+                  <a:srgbClr val="FFFFFF"/>
+                </a:solidFill>
+                <a:latin typeface="+mn-lt"/>
+                <a:ea typeface="+mn-ea"/>
+                <a:cs typeface="+mn-cs"/>
+              </a:defRPr>
+            </a:lvl1pPr>
+            <a:lvl2pPr marL="457200" indent="0" algn="ctr" rtl="0" eaLnBrk="1" latinLnBrk="0" hangingPunct="1">
+              <a:spcBef>
+                <a:spcPct val="20000"/>
+              </a:spcBef>
+              <a:buClr>
+                <a:schemeClr val="accent2"/>
+              </a:buClr>
+              <a:buSzPct val="90000"/>
+              <a:buFont typeface="Wingdings"/>
+              <a:buNone/>
+              <a:defRPr kumimoji="0" sz="2800" kern="1200">
+                <a:solidFill>
+                  <a:schemeClr val="tx1">
+                    <a:tint val="75000"/>
+                  </a:schemeClr>
+                </a:solidFill>
+                <a:latin typeface="+mn-lt"/>
+                <a:ea typeface="+mn-ea"/>
+                <a:cs typeface="+mn-cs"/>
+              </a:defRPr>
+            </a:lvl2pPr>
+            <a:lvl3pPr marL="914400" indent="0" algn="ctr" rtl="0" eaLnBrk="1" latinLnBrk="0" hangingPunct="1">
+              <a:spcBef>
+                <a:spcPct val="20000"/>
+              </a:spcBef>
+              <a:buClr>
+                <a:schemeClr val="accent3"/>
+              </a:buClr>
+              <a:buFont typeface="Arial"/>
+              <a:buNone/>
+              <a:defRPr kumimoji="0" sz="2400" kern="1200">
+                <a:solidFill>
+                  <a:schemeClr val="tx1">
+                    <a:tint val="75000"/>
+                  </a:schemeClr>
+                </a:solidFill>
+                <a:latin typeface="+mn-lt"/>
+                <a:ea typeface="+mn-ea"/>
+                <a:cs typeface="+mn-cs"/>
+              </a:defRPr>
+            </a:lvl3pPr>
+            <a:lvl4pPr marL="1371600" indent="0" algn="ctr" rtl="0" eaLnBrk="1" latinLnBrk="0" hangingPunct="1">
+              <a:spcBef>
+                <a:spcPct val="20000"/>
+              </a:spcBef>
+              <a:buClr>
+                <a:schemeClr val="accent4"/>
+              </a:buClr>
+              <a:buFont typeface="Arial"/>
+              <a:buNone/>
+              <a:defRPr kumimoji="0" sz="2000" kern="1200">
+                <a:solidFill>
+                  <a:schemeClr val="tx1">
+                    <a:tint val="75000"/>
+                  </a:schemeClr>
+                </a:solidFill>
+                <a:latin typeface="+mn-lt"/>
+                <a:ea typeface="+mn-ea"/>
+                <a:cs typeface="+mn-cs"/>
+              </a:defRPr>
+            </a:lvl4pPr>
+            <a:lvl5pPr marL="1828800" indent="0" algn="ctr" rtl="0" eaLnBrk="1" latinLnBrk="0" hangingPunct="1">
+              <a:spcBef>
+                <a:spcPct val="20000"/>
+              </a:spcBef>
+              <a:buClr>
+                <a:schemeClr val="accent5"/>
+              </a:buClr>
+              <a:buFont typeface="Wingdings 3"/>
+              <a:buNone/>
+              <a:defRPr kumimoji="0" lang="en-US" sz="2000" kern="1200">
+                <a:solidFill>
+                  <a:schemeClr val="tx1">
+                    <a:tint val="75000"/>
+                  </a:schemeClr>
+                </a:solidFill>
+                <a:latin typeface="+mn-lt"/>
+                <a:ea typeface="+mn-ea"/>
+                <a:cs typeface="+mn-cs"/>
+              </a:defRPr>
+            </a:lvl5pPr>
+            <a:lvl6pPr marL="2286000" indent="0" algn="ctr" rtl="0" eaLnBrk="1" latinLnBrk="0" hangingPunct="1">
+              <a:spcBef>
+                <a:spcPct val="20000"/>
+              </a:spcBef>
+              <a:buClr>
+                <a:schemeClr val="accent6"/>
+              </a:buClr>
+              <a:buSzPct val="100000"/>
+              <a:buFont typeface="Wingdings 2"/>
+              <a:buNone/>
+              <a:defRPr kumimoji="0" sz="2000" kern="1200">
+                <a:solidFill>
+                  <a:schemeClr val="tx1">
+                    <a:tint val="75000"/>
+                  </a:schemeClr>
+                </a:solidFill>
+                <a:latin typeface="+mn-lt"/>
+                <a:ea typeface="+mn-ea"/>
+                <a:cs typeface="+mn-cs"/>
+              </a:defRPr>
+            </a:lvl6pPr>
+            <a:lvl7pPr marL="2743200" indent="0" algn="ctr" rtl="0" eaLnBrk="1" latinLnBrk="0" hangingPunct="1">
+              <a:spcBef>
+                <a:spcPct val="20000"/>
+              </a:spcBef>
+              <a:buClr>
+                <a:schemeClr val="accent1"/>
+              </a:buClr>
+              <a:buSzPct val="100000"/>
+              <a:buFont typeface="Wingdings 2"/>
+              <a:buNone/>
+              <a:defRPr kumimoji="0" sz="1800" kern="1200">
+                <a:solidFill>
+                  <a:schemeClr val="tx1">
+                    <a:tint val="75000"/>
+                  </a:schemeClr>
+                </a:solidFill>
+                <a:latin typeface="+mn-lt"/>
+                <a:ea typeface="+mn-ea"/>
+                <a:cs typeface="+mn-cs"/>
+              </a:defRPr>
+            </a:lvl7pPr>
+            <a:lvl8pPr marL="3200400" indent="0" algn="ctr" rtl="0" eaLnBrk="1" latinLnBrk="0" hangingPunct="1">
+              <a:spcBef>
+                <a:spcPct val="20000"/>
+              </a:spcBef>
+              <a:buClr>
+                <a:schemeClr val="accent2"/>
+              </a:buClr>
+              <a:buFont typeface="Wingdings 2" pitchFamily="18" charset="2"/>
+              <a:buNone/>
+              <a:defRPr kumimoji="0" sz="1800" kern="1200">
+                <a:solidFill>
+                  <a:schemeClr val="tx1">
+                    <a:tint val="75000"/>
+                  </a:schemeClr>
+                </a:solidFill>
+                <a:latin typeface="+mn-lt"/>
+                <a:ea typeface="+mn-ea"/>
+                <a:cs typeface="+mn-cs"/>
+              </a:defRPr>
+            </a:lvl8pPr>
+            <a:lvl9pPr marL="3657600" indent="0" algn="ctr" rtl="0" eaLnBrk="1" latinLnBrk="0" hangingPunct="1">
+              <a:spcBef>
+                <a:spcPct val="20000"/>
+              </a:spcBef>
+              <a:buClr>
+                <a:schemeClr val="accent3"/>
+              </a:buClr>
+              <a:buFont typeface="Wingdings 2" pitchFamily="18" charset="2"/>
+              <a:buNone/>
+              <a:defRPr kumimoji="0" sz="1800" kern="1200" baseline="0">
+                <a:solidFill>
+                  <a:schemeClr val="tx1">
+                    <a:tint val="75000"/>
+                  </a:schemeClr>
+                </a:solidFill>
+                <a:latin typeface="+mn-lt"/>
+                <a:ea typeface="+mn-ea"/>
+                <a:cs typeface="+mn-cs"/>
+              </a:defRPr>
+            </a:lvl9pPr>
+            <a:extLst/>
+          </a:lstStyle>
+          <a:p>
+            <a:r>
+              <a:rPr lang="en-US" dirty="0" smtClean="0"/>
+              <a:t>By Christopher Kennedy</a:t>
+            </a:r>
+            <a:endParaRPr lang="en-US" dirty="0"/>
+          </a:p>
+        </p:txBody>
+      </p:sp>
     </p:spTree>
     <p:extLst>
       <p:ext uri="{BB962C8B-B14F-4D97-AF65-F5344CB8AC3E}">
@@ -4175,7 +4419,7 @@
           <a:p>
             <a:r>
               <a:rPr lang="en-US" dirty="0" smtClean="0"/>
-              <a:t>Why Use D3</a:t>
+              <a:t>Technologies	</a:t>
             </a:r>
             <a:endParaRPr lang="en-US" dirty="0"/>
           </a:p>
@@ -4196,136 +4440,12 @@
           <a:bodyPr/>
           <a:lstStyle/>
           <a:p>
-            <a:pPr marL="438912" lvl="1" indent="-320040">
-              <a:spcBef>
-                <a:spcPts val="0"/>
-              </a:spcBef>
-              <a:buClr>
-                <a:schemeClr val="accent1"/>
-              </a:buClr>
-              <a:buSzPct val="80000"/>
-              <a:buFont typeface="Wingdings 2"/>
-              <a:buChar char=""/>
-            </a:pPr>
-            <a:r>
-              <a:rPr lang="en-US" dirty="0" smtClean="0"/>
-              <a:t>Scales data points to pixels</a:t>
-            </a:r>
-          </a:p>
-          <a:p>
-            <a:pPr marL="438912" lvl="1" indent="-320040">
-              <a:spcBef>
-                <a:spcPts val="0"/>
-              </a:spcBef>
-              <a:buClr>
-                <a:schemeClr val="accent1"/>
-              </a:buClr>
-              <a:buSzPct val="80000"/>
-              <a:buFont typeface="Wingdings 2"/>
-              <a:buChar char=""/>
-            </a:pPr>
-            <a:r>
-              <a:rPr lang="en-US" dirty="0" smtClean="0"/>
-              <a:t>Axes and labels</a:t>
-            </a:r>
-          </a:p>
-          <a:p>
-            <a:pPr marL="438912" lvl="1" indent="-320040">
-              <a:spcBef>
-                <a:spcPts val="0"/>
-              </a:spcBef>
-              <a:buClr>
-                <a:schemeClr val="accent1"/>
-              </a:buClr>
-              <a:buSzPct val="80000"/>
-              <a:buFont typeface="Wingdings 2"/>
-              <a:buChar char=""/>
-            </a:pPr>
-            <a:r>
-              <a:rPr lang="en-US" dirty="0" smtClean="0"/>
-              <a:t>Functions </a:t>
-            </a:r>
-            <a:r>
-              <a:rPr lang="en-US" dirty="0"/>
-              <a:t>to manipulate HTML </a:t>
-            </a:r>
-            <a:r>
-              <a:rPr lang="en-US" dirty="0" smtClean="0"/>
-              <a:t>elements</a:t>
-            </a:r>
-          </a:p>
-          <a:p>
-            <a:endParaRPr lang="en-US" dirty="0"/>
-          </a:p>
-        </p:txBody>
-      </p:sp>
-    </p:spTree>
-    <p:extLst>
-      <p:ext uri="{BB962C8B-B14F-4D97-AF65-F5344CB8AC3E}">
-        <p14:creationId xmlns:p14="http://schemas.microsoft.com/office/powerpoint/2010/main" val="1093264376"/>
-      </p:ext>
-    </p:extLst>
-  </p:cSld>
-  <p:clrMapOvr>
-    <a:masterClrMapping/>
-  </p:clrMapOvr>
-</p:sld>
-</file>
-
-<file path=ppt/slides/slide4.xml><?xml version="1.0" encoding="utf-8"?>
-<p:sld xmlns:a="http://schemas.openxmlformats.org/drawingml/2006/main" xmlns:r="http://schemas.openxmlformats.org/officeDocument/2006/relationships" xmlns:p="http://schemas.openxmlformats.org/presentationml/2006/main">
-  <p:cSld>
-    <p:spTree>
-      <p:nvGrpSpPr>
-        <p:cNvPr id="1" name=""/>
-        <p:cNvGrpSpPr/>
-        <p:nvPr/>
-      </p:nvGrpSpPr>
-      <p:grpSpPr>
-        <a:xfrm>
-          <a:off x="0" y="0"/>
-          <a:ext cx="0" cy="0"/>
-          <a:chOff x="0" y="0"/>
-          <a:chExt cx="0" cy="0"/>
-        </a:xfrm>
-      </p:grpSpPr>
-      <p:sp>
-        <p:nvSpPr>
-          <p:cNvPr id="2" name="Title 1"/>
-          <p:cNvSpPr>
-            <a:spLocks noGrp="1"/>
-          </p:cNvSpPr>
-          <p:nvPr>
-            <p:ph type="title"/>
-          </p:nvPr>
-        </p:nvSpPr>
-        <p:spPr/>
-        <p:txBody>
-          <a:bodyPr/>
-          <a:lstStyle/>
-          <a:p>
-            <a:r>
-              <a:rPr lang="en-US" dirty="0" smtClean="0"/>
-              <a:t>Technologies	</a:t>
-            </a:r>
-            <a:endParaRPr lang="en-US" dirty="0"/>
-          </a:p>
-        </p:txBody>
-      </p:sp>
-      <p:sp>
-        <p:nvSpPr>
-          <p:cNvPr id="3" name="Content Placeholder 2"/>
-          <p:cNvSpPr>
-            <a:spLocks noGrp="1"/>
-          </p:cNvSpPr>
-          <p:nvPr>
-            <p:ph idx="1"/>
-          </p:nvPr>
-        </p:nvSpPr>
-        <p:spPr/>
-        <p:txBody>
-          <a:bodyPr/>
-          <a:lstStyle/>
+            <a:r>
+              <a:rPr lang="en-US" smtClean="0"/>
+              <a:t>JavaScript</a:t>
+            </a:r>
+            <a:endParaRPr lang="en-US" dirty="0" smtClean="0"/>
+          </a:p>
           <a:p>
             <a:r>
               <a:rPr lang="en-US" dirty="0" smtClean="0"/>
@@ -4341,22 +4461,30 @@
           <a:p>
             <a:r>
               <a:rPr lang="en-US" dirty="0" smtClean="0"/>
-              <a:t>JavaScript</a:t>
-            </a:r>
-          </a:p>
-          <a:p>
+              <a:t>SVG (Scalable Vector Graphics)</a:t>
+            </a:r>
+          </a:p>
+          <a:p>
+            <a:pPr lvl="1"/>
             <a:r>
               <a:rPr lang="en-US" dirty="0" smtClean="0"/>
-              <a:t>SVG (Scalable Vector Graphics)</a:t>
+              <a:t>Define </a:t>
+            </a:r>
+            <a:r>
+              <a:rPr lang="en-US" dirty="0"/>
+              <a:t>the model of the shape instead of the pixels of the </a:t>
+            </a:r>
+            <a:r>
+              <a:rPr lang="en-US" dirty="0" smtClean="0"/>
+              <a:t>shape</a:t>
             </a:r>
           </a:p>
           <a:p>
             <a:pPr lvl="1"/>
             <a:r>
-              <a:rPr lang="en-US" dirty="0"/>
-              <a:t>Define the model of the shape instead of the pixels of the shape. </a:t>
-            </a:r>
-            <a:endParaRPr lang="en-US" dirty="0" smtClean="0"/>
+              <a:rPr lang="en-US" dirty="0" smtClean="0"/>
+              <a:t>Maps data points to pixels</a:t>
+            </a:r>
           </a:p>
           <a:p>
             <a:pPr lvl="1"/>

--- a/d3.pptx
+++ b/d3.pptx
@@ -357,7 +357,7 @@
           <a:p>
             <a:fld id="{D7C3A134-F1C3-464B-BF47-54DC2DE08F52}" type="datetimeFigureOut">
               <a:rPr lang="en-US" smtClean="0"/>
-              <a:t>6/1/16</a:t>
+              <a:t>6/4/16</a:t>
             </a:fld>
             <a:endParaRPr lang="en-US"/>
           </a:p>
@@ -580,7 +580,7 @@
           <a:p>
             <a:fld id="{D7C3A134-F1C3-464B-BF47-54DC2DE08F52}" type="datetimeFigureOut">
               <a:rPr lang="en-US" smtClean="0"/>
-              <a:t>6/1/16</a:t>
+              <a:t>6/4/16</a:t>
             </a:fld>
             <a:endParaRPr lang="en-US"/>
           </a:p>
@@ -860,7 +860,7 @@
           <a:p>
             <a:fld id="{D7C3A134-F1C3-464B-BF47-54DC2DE08F52}" type="datetimeFigureOut">
               <a:rPr lang="en-US" smtClean="0"/>
-              <a:t>6/1/16</a:t>
+              <a:t>6/4/16</a:t>
             </a:fld>
             <a:endParaRPr lang="en-US"/>
           </a:p>
@@ -1039,7 +1039,7 @@
           <a:p>
             <a:fld id="{D7C3A134-F1C3-464B-BF47-54DC2DE08F52}" type="datetimeFigureOut">
               <a:rPr lang="en-US" smtClean="0"/>
-              <a:t>6/1/16</a:t>
+              <a:t>6/4/16</a:t>
             </a:fld>
             <a:endParaRPr lang="en-US"/>
           </a:p>
@@ -1397,7 +1397,7 @@
           <a:p>
             <a:fld id="{D7C3A134-F1C3-464B-BF47-54DC2DE08F52}" type="datetimeFigureOut">
               <a:rPr lang="en-US" smtClean="0"/>
-              <a:t>6/1/16</a:t>
+              <a:t>6/4/16</a:t>
             </a:fld>
             <a:endParaRPr lang="en-US"/>
           </a:p>
@@ -1684,7 +1684,7 @@
           <a:p>
             <a:fld id="{D7C3A134-F1C3-464B-BF47-54DC2DE08F52}" type="datetimeFigureOut">
               <a:rPr lang="en-US" smtClean="0"/>
-              <a:t>6/1/16</a:t>
+              <a:t>6/4/16</a:t>
             </a:fld>
             <a:endParaRPr lang="en-US"/>
           </a:p>
@@ -2106,7 +2106,7 @@
           <a:p>
             <a:fld id="{D7C3A134-F1C3-464B-BF47-54DC2DE08F52}" type="datetimeFigureOut">
               <a:rPr lang="en-US" smtClean="0"/>
-              <a:t>6/1/16</a:t>
+              <a:t>6/4/16</a:t>
             </a:fld>
             <a:endParaRPr lang="en-US"/>
           </a:p>
@@ -2221,7 +2221,7 @@
           <a:p>
             <a:fld id="{D7C3A134-F1C3-464B-BF47-54DC2DE08F52}" type="datetimeFigureOut">
               <a:rPr lang="en-US" smtClean="0"/>
-              <a:t>6/1/16</a:t>
+              <a:t>6/4/16</a:t>
             </a:fld>
             <a:endParaRPr lang="en-US"/>
           </a:p>
@@ -2311,7 +2311,7 @@
           <a:p>
             <a:fld id="{D7C3A134-F1C3-464B-BF47-54DC2DE08F52}" type="datetimeFigureOut">
               <a:rPr lang="en-US" smtClean="0"/>
-              <a:t>6/1/16</a:t>
+              <a:t>6/4/16</a:t>
             </a:fld>
             <a:endParaRPr lang="en-US"/>
           </a:p>
@@ -2589,7 +2589,7 @@
           <a:p>
             <a:fld id="{D7C3A134-F1C3-464B-BF47-54DC2DE08F52}" type="datetimeFigureOut">
               <a:rPr lang="en-US" smtClean="0"/>
-              <a:t>6/1/16</a:t>
+              <a:t>6/4/16</a:t>
             </a:fld>
             <a:endParaRPr lang="en-US"/>
           </a:p>
@@ -2955,7 +2955,7 @@
           <a:p>
             <a:fld id="{D7C3A134-F1C3-464B-BF47-54DC2DE08F52}" type="datetimeFigureOut">
               <a:rPr lang="en-US" smtClean="0"/>
-              <a:t>6/1/16</a:t>
+              <a:t>6/4/16</a:t>
             </a:fld>
             <a:endParaRPr lang="en-US" dirty="0"/>
           </a:p>
@@ -3392,7 +3392,7 @@
           <a:p>
             <a:fld id="{D7C3A134-F1C3-464B-BF47-54DC2DE08F52}" type="datetimeFigureOut">
               <a:rPr lang="en-US" smtClean="0"/>
-              <a:t>6/1/16</a:t>
+              <a:t>6/4/16</a:t>
             </a:fld>
             <a:endParaRPr lang="en-US" dirty="0"/>
           </a:p>
@@ -4053,6 +4053,13 @@
   <p:clrMapOvr>
     <a:masterClrMapping/>
   </p:clrMapOvr>
+  <p:timing>
+    <p:tnLst>
+      <p:par>
+        <p:cTn xmlns:p14="http://schemas.microsoft.com/office/powerpoint/2010/main" id="1" dur="indefinite" restart="never" nodeType="tmRoot"/>
+      </p:par>
+    </p:tnLst>
+  </p:timing>
 </p:sld>
 </file>
 
@@ -4382,6 +4389,13 @@
   <p:clrMapOvr>
     <a:masterClrMapping/>
   </p:clrMapOvr>
+  <p:timing>
+    <p:tnLst>
+      <p:par>
+        <p:cTn xmlns:p14="http://schemas.microsoft.com/office/powerpoint/2010/main" id="1" dur="indefinite" restart="never" nodeType="tmRoot"/>
+      </p:par>
+    </p:tnLst>
+  </p:timing>
 </p:sld>
 </file>
 
@@ -4419,7 +4433,7 @@
           <a:p>
             <a:r>
               <a:rPr lang="en-US" dirty="0" smtClean="0"/>
-              <a:t>Technologies	</a:t>
+              <a:t>Languages</a:t>
             </a:r>
             <a:endParaRPr lang="en-US" dirty="0"/>
           </a:p>
@@ -4505,6 +4519,13 @@
   <p:clrMapOvr>
     <a:masterClrMapping/>
   </p:clrMapOvr>
+  <p:timing>
+    <p:tnLst>
+      <p:par>
+        <p:cTn xmlns:p14="http://schemas.microsoft.com/office/powerpoint/2010/main" id="1" dur="indefinite" restart="never" nodeType="tmRoot"/>
+      </p:par>
+    </p:tnLst>
+  </p:timing>
 </p:sld>
 </file>
 
